--- a/Alexis Pechon Showcase Poster.pptx
+++ b/Alexis Pechon Showcase Poster.pptx
@@ -162,7 +162,7 @@
 <file path=ppt/revisionInfo.xml><?xml version="1.0" encoding="utf-8"?>
 <p1510:revInfo xmlns:a="http://schemas.openxmlformats.org/drawingml/2006/main" xmlns:r="http://schemas.openxmlformats.org/officeDocument/2006/relationships" xmlns:p1510="http://schemas.microsoft.com/office/powerpoint/2015/10/main">
   <p1510:revLst>
-    <p1510:client id="{3F7EA088-9145-4646-B07D-DB3B6B2A8C4E}" v="2" dt="2023-04-28T20:05:24.118"/>
+    <p1510:client id="{1A887670-05A4-4C23-A965-946B03CA6C59}" v="4" dt="2023-05-09T15:09:14.754"/>
   </p1510:revLst>
 </p1510:revInfo>
 </file>
@@ -222,6 +222,94 @@
             <ac:spMk id="2055" creationId="{00000000-0000-0000-0000-000000000000}"/>
           </ac:spMkLst>
         </pc:spChg>
+      </pc:sldChg>
+    </pc:docChg>
+  </pc:docChgLst>
+  <pc:docChgLst>
+    <pc:chgData name="Shadow Slav" userId="d20ffae102572ece" providerId="LiveId" clId="{1A887670-05A4-4C23-A965-946B03CA6C59}"/>
+    <pc:docChg chg="undo custSel modSld">
+      <pc:chgData name="Shadow Slav" userId="d20ffae102572ece" providerId="LiveId" clId="{1A887670-05A4-4C23-A965-946B03CA6C59}" dt="2023-05-09T15:10:11.245" v="608" actId="478"/>
+      <pc:docMkLst>
+        <pc:docMk/>
+      </pc:docMkLst>
+      <pc:sldChg chg="addSp delSp modSp mod">
+        <pc:chgData name="Shadow Slav" userId="d20ffae102572ece" providerId="LiveId" clId="{1A887670-05A4-4C23-A965-946B03CA6C59}" dt="2023-05-09T15:10:11.245" v="608" actId="478"/>
+        <pc:sldMkLst>
+          <pc:docMk/>
+          <pc:sldMk cId="0" sldId="256"/>
+        </pc:sldMkLst>
+        <pc:spChg chg="add mod">
+          <ac:chgData name="Shadow Slav" userId="d20ffae102572ece" providerId="LiveId" clId="{1A887670-05A4-4C23-A965-946B03CA6C59}" dt="2023-05-09T15:06:00.034" v="519" actId="20577"/>
+          <ac:spMkLst>
+            <pc:docMk/>
+            <pc:sldMk cId="0" sldId="256"/>
+            <ac:spMk id="2" creationId="{6B2AE37E-CA42-D39F-21DF-92F9C1E9C7F1}"/>
+          </ac:spMkLst>
+        </pc:spChg>
+        <pc:spChg chg="add del mod">
+          <ac:chgData name="Shadow Slav" userId="d20ffae102572ece" providerId="LiveId" clId="{1A887670-05A4-4C23-A965-946B03CA6C59}" dt="2023-05-09T15:07:06.283" v="577" actId="767"/>
+          <ac:spMkLst>
+            <pc:docMk/>
+            <pc:sldMk cId="0" sldId="256"/>
+            <ac:spMk id="3" creationId="{62C66037-EEA2-C551-5030-D9317E929702}"/>
+          </ac:spMkLst>
+        </pc:spChg>
+        <pc:spChg chg="mod">
+          <ac:chgData name="Shadow Slav" userId="d20ffae102572ece" providerId="LiveId" clId="{1A887670-05A4-4C23-A965-946B03CA6C59}" dt="2023-05-09T15:04:02.703" v="0" actId="1076"/>
+          <ac:spMkLst>
+            <pc:docMk/>
+            <pc:sldMk cId="0" sldId="256"/>
+            <ac:spMk id="75" creationId="{00000000-0000-0000-0000-000000000000}"/>
+          </ac:spMkLst>
+        </pc:spChg>
+        <pc:spChg chg="mod">
+          <ac:chgData name="Shadow Slav" userId="d20ffae102572ece" providerId="LiveId" clId="{1A887670-05A4-4C23-A965-946B03CA6C59}" dt="2023-05-09T15:07:27.162" v="584" actId="20577"/>
+          <ac:spMkLst>
+            <pc:docMk/>
+            <pc:sldMk cId="0" sldId="256"/>
+            <ac:spMk id="80" creationId="{00000000-0000-0000-0000-000000000000}"/>
+          </ac:spMkLst>
+        </pc:spChg>
+        <pc:spChg chg="del">
+          <ac:chgData name="Shadow Slav" userId="d20ffae102572ece" providerId="LiveId" clId="{1A887670-05A4-4C23-A965-946B03CA6C59}" dt="2023-05-09T15:10:11.245" v="608" actId="478"/>
+          <ac:spMkLst>
+            <pc:docMk/>
+            <pc:sldMk cId="0" sldId="256"/>
+            <ac:spMk id="88" creationId="{00000000-0000-0000-0000-000000000000}"/>
+          </ac:spMkLst>
+        </pc:spChg>
+        <pc:spChg chg="del mod">
+          <ac:chgData name="Shadow Slav" userId="d20ffae102572ece" providerId="LiveId" clId="{1A887670-05A4-4C23-A965-946B03CA6C59}" dt="2023-05-09T15:09:43.880" v="605"/>
+          <ac:spMkLst>
+            <pc:docMk/>
+            <pc:sldMk cId="0" sldId="256"/>
+            <ac:spMk id="89" creationId="{00000000-0000-0000-0000-000000000000}"/>
+          </ac:spMkLst>
+        </pc:spChg>
+        <pc:spChg chg="mod">
+          <ac:chgData name="Shadow Slav" userId="d20ffae102572ece" providerId="LiveId" clId="{1A887670-05A4-4C23-A965-946B03CA6C59}" dt="2023-05-09T15:06:24.328" v="560" actId="404"/>
+          <ac:spMkLst>
+            <pc:docMk/>
+            <pc:sldMk cId="0" sldId="256"/>
+            <ac:spMk id="91" creationId="{00000000-0000-0000-0000-000000000000}"/>
+          </ac:spMkLst>
+        </pc:spChg>
+        <pc:spChg chg="mod">
+          <ac:chgData name="Shadow Slav" userId="d20ffae102572ece" providerId="LiveId" clId="{1A887670-05A4-4C23-A965-946B03CA6C59}" dt="2023-05-09T15:07:42.688" v="594" actId="20577"/>
+          <ac:spMkLst>
+            <pc:docMk/>
+            <pc:sldMk cId="0" sldId="256"/>
+            <ac:spMk id="99" creationId="{00000000-0000-0000-0000-000000000000}"/>
+          </ac:spMkLst>
+        </pc:spChg>
+        <pc:picChg chg="add mod">
+          <ac:chgData name="Shadow Slav" userId="d20ffae102572ece" providerId="LiveId" clId="{1A887670-05A4-4C23-A965-946B03CA6C59}" dt="2023-05-09T15:10:04.600" v="607" actId="1076"/>
+          <ac:picMkLst>
+            <pc:docMk/>
+            <pc:sldMk cId="0" sldId="256"/>
+            <ac:picMk id="5" creationId="{4BB95E89-984C-2850-165D-97572A03A332}"/>
+          </ac:picMkLst>
+        </pc:picChg>
       </pc:sldChg>
     </pc:docChg>
   </pc:docChgLst>
@@ -4804,7 +4892,7 @@
         </p:nvSpPr>
         <p:spPr>
           <a:xfrm>
-            <a:off x="1173725" y="4695092"/>
+            <a:off x="1135242" y="4708159"/>
             <a:ext cx="19395316" cy="4887513"/>
           </a:xfrm>
           <a:prstGeom prst="rect">
@@ -5977,7 +6065,7 @@
           <p:nvPr/>
         </p:nvPicPr>
         <mc:AlternateContent xmlns:mc="http://schemas.openxmlformats.org/markup-compatibility/2006">
-          <mc:Choice xmlns:ma="http://schemas.microsoft.com/office/mac/drawingml/2008/main" xmlns:mv="urn:schemas-microsoft-com:mac:vml" xmlns="" Requires="ma">
+          <mc:Choice xmlns="" xmlns:mv="urn:schemas-microsoft-com:mac:vml" xmlns:ma="http://schemas.microsoft.com/office/mac/drawingml/2008/main" Requires="ma">
             <p:blipFill>
               <a:blip r:embed="rId3"/>
               <a:stretch>
@@ -6013,7 +6101,7 @@
         <p:spPr>
           <a:xfrm>
             <a:off x="1076563" y="9983179"/>
-            <a:ext cx="9158899" cy="9110186"/>
+            <a:ext cx="9158899" cy="8987076"/>
           </a:xfrm>
           <a:prstGeom prst="rect">
             <a:avLst/>
@@ -6043,7 +6131,7 @@
           </a:p>
           <a:p>
             <a:r>
-              <a:rPr lang="en-US" sz="3200" dirty="0">
+              <a:rPr lang="en-US" sz="4000" dirty="0">
                 <a:ln>
                   <a:solidFill>
                     <a:srgbClr val="191966"/>
@@ -6052,42 +6140,6 @@
               </a:rPr>
               <a:t>The purpose of this project was to create a mobile application that streamlines the process of the user looking up the next available bus or train by having all the information about their mode of transportation in one compact and useful mobile application.</a:t>
             </a:r>
-          </a:p>
-          <a:p>
-            <a:endParaRPr lang="en-US" sz="3200" dirty="0">
-              <a:ln>
-                <a:solidFill>
-                  <a:srgbClr val="191966"/>
-                </a:solidFill>
-              </a:ln>
-            </a:endParaRPr>
-          </a:p>
-          <a:p>
-            <a:endParaRPr lang="en-US" sz="3200" dirty="0">
-              <a:ln>
-                <a:solidFill>
-                  <a:srgbClr val="191966"/>
-                </a:solidFill>
-              </a:ln>
-            </a:endParaRPr>
-          </a:p>
-          <a:p>
-            <a:endParaRPr lang="en-US" sz="3200" dirty="0">
-              <a:ln>
-                <a:solidFill>
-                  <a:srgbClr val="191966"/>
-                </a:solidFill>
-              </a:ln>
-            </a:endParaRPr>
-          </a:p>
-          <a:p>
-            <a:endParaRPr lang="en-US" sz="3200" dirty="0">
-              <a:ln>
-                <a:solidFill>
-                  <a:srgbClr val="191966"/>
-                </a:solidFill>
-              </a:ln>
-            </a:endParaRPr>
           </a:p>
           <a:p>
             <a:endParaRPr lang="en-US" sz="3200" dirty="0">
@@ -6226,14 +6278,14 @@
       </p:sp>
       <p:sp>
         <p:nvSpPr>
-          <p:cNvPr id="88" name="TextBox 87"/>
+          <p:cNvPr id="91" name="TextBox 90"/>
           <p:cNvSpPr txBox="1"/>
           <p:nvPr/>
         </p:nvSpPr>
         <p:spPr>
           <a:xfrm>
-            <a:off x="10927576" y="9927428"/>
-            <a:ext cx="9602982" cy="9197760"/>
+            <a:off x="1152952" y="19375338"/>
+            <a:ext cx="19377606" cy="9197760"/>
           </a:xfrm>
           <a:prstGeom prst="rect">
             <a:avLst/>
@@ -6263,7 +6315,7 @@
       </p:sp>
       <p:sp>
         <p:nvSpPr>
-          <p:cNvPr id="89" name="Rectangle 10"/>
+          <p:cNvPr id="99" name="Rectangle 10"/>
           <p:cNvSpPr>
             <a:spLocks noChangeArrowheads="1"/>
           </p:cNvSpPr>
@@ -6271,8 +6323,8 @@
         </p:nvSpPr>
         <p:spPr bwMode="auto">
           <a:xfrm>
-            <a:off x="13729391" y="10333853"/>
-            <a:ext cx="4606118" cy="523220"/>
+            <a:off x="8438009" y="19801005"/>
+            <a:ext cx="4606118" cy="6247864"/>
           </a:xfrm>
           <a:prstGeom prst="rect">
             <a:avLst/>
@@ -6326,113 +6378,6 @@
                 <a:latin typeface="Lucida Sans"/>
                 <a:cs typeface="Lucida Sans"/>
               </a:rPr>
-              <a:t>Screenshots?</a:t>
-            </a:r>
-          </a:p>
-        </p:txBody>
-      </p:sp>
-      <p:sp>
-        <p:nvSpPr>
-          <p:cNvPr id="91" name="TextBox 90"/>
-          <p:cNvSpPr txBox="1"/>
-          <p:nvPr/>
-        </p:nvSpPr>
-        <p:spPr>
-          <a:xfrm>
-            <a:off x="1152952" y="19375338"/>
-            <a:ext cx="19377606" cy="9197760"/>
-          </a:xfrm>
-          <a:prstGeom prst="rect">
-            <a:avLst/>
-          </a:prstGeom>
-          <a:noFill/>
-          <a:ln>
-            <a:solidFill>
-              <a:srgbClr val="191966"/>
-            </a:solidFill>
-          </a:ln>
-        </p:spPr>
-        <p:txBody>
-          <a:bodyPr wrap="square" rtlCol="0">
-            <a:spAutoFit/>
-          </a:bodyPr>
-          <a:lstStyle/>
-          <a:p>
-            <a:endParaRPr lang="en-US" dirty="0">
-              <a:ln>
-                <a:solidFill>
-                  <a:srgbClr val="191966"/>
-                </a:solidFill>
-              </a:ln>
-            </a:endParaRPr>
-          </a:p>
-        </p:txBody>
-      </p:sp>
-      <p:sp>
-        <p:nvSpPr>
-          <p:cNvPr id="99" name="Rectangle 10"/>
-          <p:cNvSpPr>
-            <a:spLocks noChangeArrowheads="1"/>
-          </p:cNvSpPr>
-          <p:nvPr/>
-        </p:nvSpPr>
-        <p:spPr bwMode="auto">
-          <a:xfrm>
-            <a:off x="8438009" y="19801005"/>
-            <a:ext cx="4606118" cy="5770811"/>
-          </a:xfrm>
-          <a:prstGeom prst="rect">
-            <a:avLst/>
-          </a:prstGeom>
-          <a:noFill/>
-          <a:ln>
-            <a:noFill/>
-          </a:ln>
-          <a:effectLst/>
-          <a:extLst>
-            <a:ext uri="{909E8E84-426E-40DD-AFC4-6F175D3DCCD1}">
-              <a14:hiddenFill xmlns:a14="http://schemas.microsoft.com/office/drawing/2010/main">
-                <a:solidFill>
-                  <a:schemeClr val="accent1"/>
-                </a:solidFill>
-              </a14:hiddenFill>
-            </a:ext>
-            <a:ext uri="{91240B29-F687-4F45-9708-019B960494DF}">
-              <a14:hiddenLine xmlns:a14="http://schemas.microsoft.com/office/drawing/2010/main" w="9525">
-                <a:solidFill>
-                  <a:schemeClr val="tx1"/>
-                </a:solidFill>
-                <a:miter lim="800000"/>
-                <a:headEnd/>
-                <a:tailEnd/>
-              </a14:hiddenLine>
-            </a:ext>
-            <a:ext uri="{AF507438-7753-43E0-B8FC-AC1667EBCBE1}">
-              <a14:hiddenEffects xmlns:a14="http://schemas.microsoft.com/office/drawing/2010/main">
-                <a:effectLst>
-                  <a:outerShdw dist="35921" dir="2700000" algn="ctr" rotWithShape="0">
-                    <a:schemeClr val="bg2"/>
-                  </a:outerShdw>
-                </a:effectLst>
-              </a14:hiddenEffects>
-            </a:ext>
-          </a:extLst>
-        </p:spPr>
-        <p:txBody>
-          <a:bodyPr wrap="square" bIns="0">
-            <a:spAutoFit/>
-          </a:bodyPr>
-          <a:lstStyle/>
-          <a:p>
-            <a:pPr algn="ctr"/>
-            <a:r>
-              <a:rPr lang="en-GB" sz="3100" dirty="0">
-                <a:solidFill>
-                  <a:srgbClr val="000099"/>
-                </a:solidFill>
-                <a:latin typeface="Lucida Sans"/>
-                <a:cs typeface="Lucida Sans"/>
-              </a:rPr>
               <a:t>Technologies used</a:t>
             </a:r>
           </a:p>
@@ -6509,11 +6454,82 @@
                 <a:latin typeface="Lucida Sans"/>
                 <a:cs typeface="Lucida Sans"/>
               </a:rPr>
-              <a:t>Java, APIs, JSON, XML</a:t>
-            </a:r>
-          </a:p>
-        </p:txBody>
-      </p:sp>
+              <a:t>Java, APIs, JSON, XML, Retrofit</a:t>
+            </a:r>
+          </a:p>
+        </p:txBody>
+      </p:sp>
+      <p:sp>
+        <p:nvSpPr>
+          <p:cNvPr id="2" name="TextBox 1">
+            <a:extLst>
+              <a:ext uri="{FF2B5EF4-FFF2-40B4-BE49-F238E27FC236}">
+                <a16:creationId xmlns:a16="http://schemas.microsoft.com/office/drawing/2014/main" id="{6B2AE37E-CA42-D39F-21DF-92F9C1E9C7F1}"/>
+              </a:ext>
+            </a:extLst>
+          </p:cNvPr>
+          <p:cNvSpPr txBox="1"/>
+          <p:nvPr/>
+        </p:nvSpPr>
+        <p:spPr>
+          <a:xfrm>
+            <a:off x="1316182" y="5709234"/>
+            <a:ext cx="19091563" cy="3785652"/>
+          </a:xfrm>
+          <a:prstGeom prst="rect">
+            <a:avLst/>
+          </a:prstGeom>
+          <a:noFill/>
+        </p:spPr>
+        <p:txBody>
+          <a:bodyPr wrap="square" rtlCol="0">
+            <a:spAutoFit/>
+          </a:bodyPr>
+          <a:lstStyle/>
+          <a:p>
+            <a:r>
+              <a:rPr lang="en-GB" sz="4800" dirty="0"/>
+              <a:t>On a basic level, the main goal of my mobile project was to develop an Android Application that enables the user to access the timetables for different types of public transportation, whether it is by train or bus, my application aims to make finding timetables a streamline process that could all be done in the palm of your hands.</a:t>
+            </a:r>
+          </a:p>
+        </p:txBody>
+      </p:sp>
+      <p:pic>
+        <p:nvPicPr>
+          <p:cNvPr id="5" name="Picture 4" descr="A screen shot of a phone&#10;&#10;Description automatically generated with low confidence">
+            <a:extLst>
+              <a:ext uri="{FF2B5EF4-FFF2-40B4-BE49-F238E27FC236}">
+                <a16:creationId xmlns:a16="http://schemas.microsoft.com/office/drawing/2014/main" id="{4BB95E89-984C-2850-165D-97572A03A332}"/>
+              </a:ext>
+            </a:extLst>
+          </p:cNvPr>
+          <p:cNvPicPr>
+            <a:picLocks noChangeAspect="1"/>
+          </p:cNvPicPr>
+          <p:nvPr/>
+        </p:nvPicPr>
+        <p:blipFill>
+          <a:blip r:embed="rId5">
+            <a:extLst>
+              <a:ext uri="{28A0092B-C50C-407E-A947-70E740481C1C}">
+                <a14:useLocalDpi xmlns:a14="http://schemas.microsoft.com/office/drawing/2010/main" val="0"/>
+              </a:ext>
+            </a:extLst>
+          </a:blip>
+          <a:stretch>
+            <a:fillRect/>
+          </a:stretch>
+        </p:blipFill>
+        <p:spPr>
+          <a:xfrm>
+            <a:off x="13500646" y="10040687"/>
+            <a:ext cx="4410572" cy="8971241"/>
+          </a:xfrm>
+          <a:prstGeom prst="rect">
+            <a:avLst/>
+          </a:prstGeom>
+        </p:spPr>
+      </p:pic>
     </p:spTree>
   </p:cSld>
   <p:clrMapOvr>
